--- a/project1_presentation.pptx
+++ b/project1_presentation.pptx
@@ -126,6 +126,9 @@
         </p14:section>
       </p14:sectionLst>
     </p:ext>
+    <p:ext uri="{EFAFB233-063F-42B5-8137-9DF3F51BA10A}">
+      <p15:sldGuideLst xmlns:p15="http://schemas.microsoft.com/office/powerpoint/2012/main"/>
+    </p:ext>
   </p:extLst>
 </p:presentation>
 </file>
@@ -172,10 +175,9 @@
           </a:lstStyle>
           <a:p>
             <a:r>
-              <a:rPr lang="en-US" smtClean="0"/>
+              <a:rPr lang="en-US"/>
               <a:t>Click to edit Master title style</a:t>
             </a:r>
-            <a:endParaRPr lang="en-US"/>
           </a:p>
         </p:txBody>
       </p:sp>
@@ -237,10 +239,9 @@
           </a:lstStyle>
           <a:p>
             <a:r>
-              <a:rPr lang="en-US" smtClean="0"/>
+              <a:rPr lang="en-US"/>
               <a:t>Click to edit Master subtitle style</a:t>
             </a:r>
-            <a:endParaRPr lang="en-US"/>
           </a:p>
         </p:txBody>
       </p:sp>
@@ -355,10 +356,9 @@
           <a:lstStyle/>
           <a:p>
             <a:r>
-              <a:rPr lang="en-US" smtClean="0"/>
+              <a:rPr lang="en-US"/>
               <a:t>Click to edit Master title style</a:t>
             </a:r>
-            <a:endParaRPr lang="en-US"/>
           </a:p>
         </p:txBody>
       </p:sp>
@@ -379,38 +379,37 @@
           <a:p>
             <a:pPr lvl="0"/>
             <a:r>
-              <a:rPr lang="en-US" smtClean="0"/>
+              <a:rPr lang="en-US"/>
               <a:t>Click to edit Master text styles</a:t>
             </a:r>
           </a:p>
           <a:p>
             <a:pPr lvl="1"/>
             <a:r>
-              <a:rPr lang="en-US" smtClean="0"/>
+              <a:rPr lang="en-US"/>
               <a:t>Second level</a:t>
             </a:r>
           </a:p>
           <a:p>
             <a:pPr lvl="2"/>
             <a:r>
-              <a:rPr lang="en-US" smtClean="0"/>
+              <a:rPr lang="en-US"/>
               <a:t>Third level</a:t>
             </a:r>
           </a:p>
           <a:p>
             <a:pPr lvl="3"/>
             <a:r>
-              <a:rPr lang="en-US" smtClean="0"/>
+              <a:rPr lang="en-US"/>
               <a:t>Fourth level</a:t>
             </a:r>
           </a:p>
           <a:p>
             <a:pPr lvl="4"/>
             <a:r>
-              <a:rPr lang="en-US" smtClean="0"/>
+              <a:rPr lang="en-US"/>
               <a:t>Fifth level</a:t>
             </a:r>
-            <a:endParaRPr lang="en-US"/>
           </a:p>
         </p:txBody>
       </p:sp>
@@ -530,10 +529,9 @@
           <a:lstStyle/>
           <a:p>
             <a:r>
-              <a:rPr lang="en-US" smtClean="0"/>
+              <a:rPr lang="en-US"/>
               <a:t>Click to edit Master title style</a:t>
             </a:r>
-            <a:endParaRPr lang="en-US"/>
           </a:p>
         </p:txBody>
       </p:sp>
@@ -559,38 +557,37 @@
           <a:p>
             <a:pPr lvl="0"/>
             <a:r>
-              <a:rPr lang="en-US" smtClean="0"/>
+              <a:rPr lang="en-US"/>
               <a:t>Click to edit Master text styles</a:t>
             </a:r>
           </a:p>
           <a:p>
             <a:pPr lvl="1"/>
             <a:r>
-              <a:rPr lang="en-US" smtClean="0"/>
+              <a:rPr lang="en-US"/>
               <a:t>Second level</a:t>
             </a:r>
           </a:p>
           <a:p>
             <a:pPr lvl="2"/>
             <a:r>
-              <a:rPr lang="en-US" smtClean="0"/>
+              <a:rPr lang="en-US"/>
               <a:t>Third level</a:t>
             </a:r>
           </a:p>
           <a:p>
             <a:pPr lvl="3"/>
             <a:r>
-              <a:rPr lang="en-US" smtClean="0"/>
+              <a:rPr lang="en-US"/>
               <a:t>Fourth level</a:t>
             </a:r>
           </a:p>
           <a:p>
             <a:pPr lvl="4"/>
             <a:r>
-              <a:rPr lang="en-US" smtClean="0"/>
+              <a:rPr lang="en-US"/>
               <a:t>Fifth level</a:t>
             </a:r>
-            <a:endParaRPr lang="en-US"/>
           </a:p>
         </p:txBody>
       </p:sp>
@@ -705,10 +702,9 @@
           <a:lstStyle/>
           <a:p>
             <a:r>
-              <a:rPr lang="en-US" smtClean="0"/>
+              <a:rPr lang="en-US"/>
               <a:t>Click to edit Master title style</a:t>
             </a:r>
-            <a:endParaRPr lang="en-US"/>
           </a:p>
         </p:txBody>
       </p:sp>
@@ -729,38 +725,37 @@
           <a:p>
             <a:pPr lvl="0"/>
             <a:r>
-              <a:rPr lang="en-US" smtClean="0"/>
+              <a:rPr lang="en-US"/>
               <a:t>Click to edit Master text styles</a:t>
             </a:r>
           </a:p>
           <a:p>
             <a:pPr lvl="1"/>
             <a:r>
-              <a:rPr lang="en-US" smtClean="0"/>
+              <a:rPr lang="en-US"/>
               <a:t>Second level</a:t>
             </a:r>
           </a:p>
           <a:p>
             <a:pPr lvl="2"/>
             <a:r>
-              <a:rPr lang="en-US" smtClean="0"/>
+              <a:rPr lang="en-US"/>
               <a:t>Third level</a:t>
             </a:r>
           </a:p>
           <a:p>
             <a:pPr lvl="3"/>
             <a:r>
-              <a:rPr lang="en-US" smtClean="0"/>
+              <a:rPr lang="en-US"/>
               <a:t>Fourth level</a:t>
             </a:r>
           </a:p>
           <a:p>
             <a:pPr lvl="4"/>
             <a:r>
-              <a:rPr lang="en-US" smtClean="0"/>
+              <a:rPr lang="en-US"/>
               <a:t>Fifth level</a:t>
             </a:r>
-            <a:endParaRPr lang="en-US"/>
           </a:p>
         </p:txBody>
       </p:sp>
@@ -884,10 +879,9 @@
           </a:lstStyle>
           <a:p>
             <a:r>
-              <a:rPr lang="en-US" smtClean="0"/>
+              <a:rPr lang="en-US"/>
               <a:t>Click to edit Master title style</a:t>
             </a:r>
-            <a:endParaRPr lang="en-US"/>
           </a:p>
         </p:txBody>
       </p:sp>
@@ -1004,7 +998,7 @@
           <a:p>
             <a:pPr lvl="0"/>
             <a:r>
-              <a:rPr lang="en-US" smtClean="0"/>
+              <a:rPr lang="en-US"/>
               <a:t>Click to edit Master text styles</a:t>
             </a:r>
           </a:p>
@@ -1121,10 +1115,9 @@
           <a:lstStyle/>
           <a:p>
             <a:r>
-              <a:rPr lang="en-US" smtClean="0"/>
+              <a:rPr lang="en-US"/>
               <a:t>Click to edit Master title style</a:t>
             </a:r>
-            <a:endParaRPr lang="en-US"/>
           </a:p>
         </p:txBody>
       </p:sp>
@@ -1150,38 +1143,37 @@
           <a:p>
             <a:pPr lvl="0"/>
             <a:r>
-              <a:rPr lang="en-US" smtClean="0"/>
+              <a:rPr lang="en-US"/>
               <a:t>Click to edit Master text styles</a:t>
             </a:r>
           </a:p>
           <a:p>
             <a:pPr lvl="1"/>
             <a:r>
-              <a:rPr lang="en-US" smtClean="0"/>
+              <a:rPr lang="en-US"/>
               <a:t>Second level</a:t>
             </a:r>
           </a:p>
           <a:p>
             <a:pPr lvl="2"/>
             <a:r>
-              <a:rPr lang="en-US" smtClean="0"/>
+              <a:rPr lang="en-US"/>
               <a:t>Third level</a:t>
             </a:r>
           </a:p>
           <a:p>
             <a:pPr lvl="3"/>
             <a:r>
-              <a:rPr lang="en-US" smtClean="0"/>
+              <a:rPr lang="en-US"/>
               <a:t>Fourth level</a:t>
             </a:r>
           </a:p>
           <a:p>
             <a:pPr lvl="4"/>
             <a:r>
-              <a:rPr lang="en-US" smtClean="0"/>
+              <a:rPr lang="en-US"/>
               <a:t>Fifth level</a:t>
             </a:r>
-            <a:endParaRPr lang="en-US"/>
           </a:p>
         </p:txBody>
       </p:sp>
@@ -1207,38 +1199,37 @@
           <a:p>
             <a:pPr lvl="0"/>
             <a:r>
-              <a:rPr lang="en-US" smtClean="0"/>
+              <a:rPr lang="en-US"/>
               <a:t>Click to edit Master text styles</a:t>
             </a:r>
           </a:p>
           <a:p>
             <a:pPr lvl="1"/>
             <a:r>
-              <a:rPr lang="en-US" smtClean="0"/>
+              <a:rPr lang="en-US"/>
               <a:t>Second level</a:t>
             </a:r>
           </a:p>
           <a:p>
             <a:pPr lvl="2"/>
             <a:r>
-              <a:rPr lang="en-US" smtClean="0"/>
+              <a:rPr lang="en-US"/>
               <a:t>Third level</a:t>
             </a:r>
           </a:p>
           <a:p>
             <a:pPr lvl="3"/>
             <a:r>
-              <a:rPr lang="en-US" smtClean="0"/>
+              <a:rPr lang="en-US"/>
               <a:t>Fourth level</a:t>
             </a:r>
           </a:p>
           <a:p>
             <a:pPr lvl="4"/>
             <a:r>
-              <a:rPr lang="en-US" smtClean="0"/>
+              <a:rPr lang="en-US"/>
               <a:t>Fifth level</a:t>
             </a:r>
-            <a:endParaRPr lang="en-US"/>
           </a:p>
         </p:txBody>
       </p:sp>
@@ -1358,10 +1349,9 @@
           <a:lstStyle/>
           <a:p>
             <a:r>
-              <a:rPr lang="en-US" smtClean="0"/>
+              <a:rPr lang="en-US"/>
               <a:t>Click to edit Master title style</a:t>
             </a:r>
-            <a:endParaRPr lang="en-US"/>
           </a:p>
         </p:txBody>
       </p:sp>
@@ -1424,7 +1414,7 @@
           <a:p>
             <a:pPr lvl="0"/>
             <a:r>
-              <a:rPr lang="en-US" smtClean="0"/>
+              <a:rPr lang="en-US"/>
               <a:t>Click to edit Master text styles</a:t>
             </a:r>
           </a:p>
@@ -1452,38 +1442,37 @@
           <a:p>
             <a:pPr lvl="0"/>
             <a:r>
-              <a:rPr lang="en-US" smtClean="0"/>
+              <a:rPr lang="en-US"/>
               <a:t>Click to edit Master text styles</a:t>
             </a:r>
           </a:p>
           <a:p>
             <a:pPr lvl="1"/>
             <a:r>
-              <a:rPr lang="en-US" smtClean="0"/>
+              <a:rPr lang="en-US"/>
               <a:t>Second level</a:t>
             </a:r>
           </a:p>
           <a:p>
             <a:pPr lvl="2"/>
             <a:r>
-              <a:rPr lang="en-US" smtClean="0"/>
+              <a:rPr lang="en-US"/>
               <a:t>Third level</a:t>
             </a:r>
           </a:p>
           <a:p>
             <a:pPr lvl="3"/>
             <a:r>
-              <a:rPr lang="en-US" smtClean="0"/>
+              <a:rPr lang="en-US"/>
               <a:t>Fourth level</a:t>
             </a:r>
           </a:p>
           <a:p>
             <a:pPr lvl="4"/>
             <a:r>
-              <a:rPr lang="en-US" smtClean="0"/>
+              <a:rPr lang="en-US"/>
               <a:t>Fifth level</a:t>
             </a:r>
-            <a:endParaRPr lang="en-US"/>
           </a:p>
         </p:txBody>
       </p:sp>
@@ -1546,7 +1535,7 @@
           <a:p>
             <a:pPr lvl="0"/>
             <a:r>
-              <a:rPr lang="en-US" smtClean="0"/>
+              <a:rPr lang="en-US"/>
               <a:t>Click to edit Master text styles</a:t>
             </a:r>
           </a:p>
@@ -1574,38 +1563,37 @@
           <a:p>
             <a:pPr lvl="0"/>
             <a:r>
-              <a:rPr lang="en-US" smtClean="0"/>
+              <a:rPr lang="en-US"/>
               <a:t>Click to edit Master text styles</a:t>
             </a:r>
           </a:p>
           <a:p>
             <a:pPr lvl="1"/>
             <a:r>
-              <a:rPr lang="en-US" smtClean="0"/>
+              <a:rPr lang="en-US"/>
               <a:t>Second level</a:t>
             </a:r>
           </a:p>
           <a:p>
             <a:pPr lvl="2"/>
             <a:r>
-              <a:rPr lang="en-US" smtClean="0"/>
+              <a:rPr lang="en-US"/>
               <a:t>Third level</a:t>
             </a:r>
           </a:p>
           <a:p>
             <a:pPr lvl="3"/>
             <a:r>
-              <a:rPr lang="en-US" smtClean="0"/>
+              <a:rPr lang="en-US"/>
               <a:t>Fourth level</a:t>
             </a:r>
           </a:p>
           <a:p>
             <a:pPr lvl="4"/>
             <a:r>
-              <a:rPr lang="en-US" smtClean="0"/>
+              <a:rPr lang="en-US"/>
               <a:t>Fifth level</a:t>
             </a:r>
-            <a:endParaRPr lang="en-US"/>
           </a:p>
         </p:txBody>
       </p:sp>
@@ -1720,10 +1708,9 @@
           <a:lstStyle/>
           <a:p>
             <a:r>
-              <a:rPr lang="en-US" smtClean="0"/>
+              <a:rPr lang="en-US"/>
               <a:t>Click to edit Master title style</a:t>
             </a:r>
-            <a:endParaRPr lang="en-US"/>
           </a:p>
         </p:txBody>
       </p:sp>
@@ -1942,10 +1929,9 @@
           </a:lstStyle>
           <a:p>
             <a:r>
-              <a:rPr lang="en-US" smtClean="0"/>
+              <a:rPr lang="en-US"/>
               <a:t>Click to edit Master title style</a:t>
             </a:r>
-            <a:endParaRPr lang="en-US"/>
           </a:p>
         </p:txBody>
       </p:sp>
@@ -1999,38 +1985,37 @@
           <a:p>
             <a:pPr lvl="0"/>
             <a:r>
-              <a:rPr lang="en-US" smtClean="0"/>
+              <a:rPr lang="en-US"/>
               <a:t>Click to edit Master text styles</a:t>
             </a:r>
           </a:p>
           <a:p>
             <a:pPr lvl="1"/>
             <a:r>
-              <a:rPr lang="en-US" smtClean="0"/>
+              <a:rPr lang="en-US"/>
               <a:t>Second level</a:t>
             </a:r>
           </a:p>
           <a:p>
             <a:pPr lvl="2"/>
             <a:r>
-              <a:rPr lang="en-US" smtClean="0"/>
+              <a:rPr lang="en-US"/>
               <a:t>Third level</a:t>
             </a:r>
           </a:p>
           <a:p>
             <a:pPr lvl="3"/>
             <a:r>
-              <a:rPr lang="en-US" smtClean="0"/>
+              <a:rPr lang="en-US"/>
               <a:t>Fourth level</a:t>
             </a:r>
           </a:p>
           <a:p>
             <a:pPr lvl="4"/>
             <a:r>
-              <a:rPr lang="en-US" smtClean="0"/>
+              <a:rPr lang="en-US"/>
               <a:t>Fifth level</a:t>
             </a:r>
-            <a:endParaRPr lang="en-US"/>
           </a:p>
         </p:txBody>
       </p:sp>
@@ -2093,7 +2078,7 @@
           <a:p>
             <a:pPr lvl="0"/>
             <a:r>
-              <a:rPr lang="en-US" smtClean="0"/>
+              <a:rPr lang="en-US"/>
               <a:t>Click to edit Master text styles</a:t>
             </a:r>
           </a:p>
@@ -2219,10 +2204,9 @@
           </a:lstStyle>
           <a:p>
             <a:r>
-              <a:rPr lang="en-US" smtClean="0"/>
+              <a:rPr lang="en-US"/>
               <a:t>Click to edit Master title style</a:t>
             </a:r>
-            <a:endParaRPr lang="en-US"/>
           </a:p>
         </p:txBody>
       </p:sp>
@@ -2346,7 +2330,7 @@
           <a:p>
             <a:pPr lvl="0"/>
             <a:r>
-              <a:rPr lang="en-US" smtClean="0"/>
+              <a:rPr lang="en-US"/>
               <a:t>Click to edit Master text styles</a:t>
             </a:r>
           </a:p>
@@ -2478,10 +2462,9 @@
           <a:lstStyle/>
           <a:p>
             <a:r>
-              <a:rPr lang="en-US" smtClean="0"/>
+              <a:rPr lang="en-US"/>
               <a:t>Click to edit Master title style</a:t>
             </a:r>
-            <a:endParaRPr lang="en-US"/>
           </a:p>
         </p:txBody>
       </p:sp>
@@ -2512,38 +2495,37 @@
           <a:p>
             <a:pPr lvl="0"/>
             <a:r>
-              <a:rPr lang="en-US" smtClean="0"/>
+              <a:rPr lang="en-US"/>
               <a:t>Click to edit Master text styles</a:t>
             </a:r>
           </a:p>
           <a:p>
             <a:pPr lvl="1"/>
             <a:r>
-              <a:rPr lang="en-US" smtClean="0"/>
+              <a:rPr lang="en-US"/>
               <a:t>Second level</a:t>
             </a:r>
           </a:p>
           <a:p>
             <a:pPr lvl="2"/>
             <a:r>
-              <a:rPr lang="en-US" smtClean="0"/>
+              <a:rPr lang="en-US"/>
               <a:t>Third level</a:t>
             </a:r>
           </a:p>
           <a:p>
             <a:pPr lvl="3"/>
             <a:r>
-              <a:rPr lang="en-US" smtClean="0"/>
+              <a:rPr lang="en-US"/>
               <a:t>Fourth level</a:t>
             </a:r>
           </a:p>
           <a:p>
             <a:pPr lvl="4"/>
             <a:r>
-              <a:rPr lang="en-US" smtClean="0"/>
+              <a:rPr lang="en-US"/>
               <a:t>Fifth level</a:t>
             </a:r>
-            <a:endParaRPr lang="en-US"/>
           </a:p>
         </p:txBody>
       </p:sp>
@@ -3010,10 +2992,9 @@
           <a:lstStyle/>
           <a:p>
             <a:r>
-              <a:rPr lang="en-US" b="1" dirty="0" smtClean="0"/>
+              <a:rPr lang="en-US" dirty="0"/>
               <a:t>Motivation</a:t>
             </a:r>
-            <a:endParaRPr lang="en-US" dirty="0"/>
           </a:p>
         </p:txBody>
       </p:sp>
@@ -3038,10 +3019,9 @@
           <a:lstStyle/>
           <a:p>
             <a:r>
-              <a:rPr lang="en-US" dirty="0" smtClean="0"/>
+              <a:rPr lang="en-US" dirty="0"/>
               <a:t>I thought it would be interesting to breakdown the social media (Twitter) behavior of the S&amp;P 100. How often they tweet, what types of tweets, who tweets the most and how they interact (if at all) with others on the platform</a:t>
             </a:r>
-            <a:endParaRPr lang="en-US" dirty="0"/>
           </a:p>
         </p:txBody>
       </p:sp>
@@ -3096,10 +3076,9 @@
           <a:lstStyle/>
           <a:p>
             <a:r>
-              <a:rPr lang="en-US" dirty="0" smtClean="0"/>
+              <a:rPr lang="en-US" dirty="0"/>
               <a:t>Data Discovery</a:t>
             </a:r>
-            <a:endParaRPr lang="en-US" dirty="0"/>
           </a:p>
         </p:txBody>
       </p:sp>
@@ -3124,60 +3103,59 @@
           <a:lstStyle/>
           <a:p>
             <a:r>
-              <a:rPr lang="en-US" dirty="0" smtClean="0"/>
+              <a:rPr lang="en-US" dirty="0"/>
               <a:t>Used the </a:t>
             </a:r>
             <a:r>
-              <a:rPr lang="en-US" dirty="0" err="1" smtClean="0"/>
+              <a:rPr lang="en-US" dirty="0" err="1"/>
               <a:t>Tweepy</a:t>
             </a:r>
             <a:r>
-              <a:rPr lang="en-US" dirty="0" smtClean="0"/>
+              <a:rPr lang="en-US" dirty="0"/>
               <a:t> </a:t>
             </a:r>
             <a:r>
-              <a:rPr lang="en-US" dirty="0" err="1" smtClean="0"/>
+              <a:rPr lang="en-US" dirty="0" err="1"/>
               <a:t>api</a:t>
             </a:r>
             <a:r>
-              <a:rPr lang="en-US" dirty="0" smtClean="0"/>
+              <a:rPr lang="en-US" dirty="0"/>
               <a:t> with a </a:t>
             </a:r>
             <a:r>
-              <a:rPr lang="en-US" dirty="0" err="1" smtClean="0"/>
+              <a:rPr lang="en-US" dirty="0" err="1"/>
               <a:t>user_timeline</a:t>
             </a:r>
             <a:r>
-              <a:rPr lang="en-US" dirty="0" smtClean="0"/>
+              <a:rPr lang="en-US" dirty="0"/>
               <a:t> search. </a:t>
             </a:r>
           </a:p>
           <a:p>
             <a:r>
-              <a:rPr lang="en-US" dirty="0" smtClean="0"/>
+              <a:rPr lang="en-US" dirty="0"/>
               <a:t>Looped through each twitter handle grabbing 200 tweets at a time, 11 times for a max of 2200 tweets.  Used the </a:t>
             </a:r>
             <a:r>
-              <a:rPr lang="en-US" dirty="0" err="1" smtClean="0"/>
+              <a:rPr lang="en-US" dirty="0" err="1"/>
               <a:t>max_id</a:t>
             </a:r>
             <a:r>
-              <a:rPr lang="en-US" dirty="0" smtClean="0"/>
+              <a:rPr lang="en-US" dirty="0"/>
               <a:t> parameter to grab only unique tweets.</a:t>
             </a:r>
           </a:p>
           <a:p>
             <a:r>
-              <a:rPr lang="en-US" dirty="0" smtClean="0"/>
+              <a:rPr lang="en-US" dirty="0"/>
               <a:t>Gathered approximately 187,000 tweets</a:t>
             </a:r>
           </a:p>
           <a:p>
             <a:r>
-              <a:rPr lang="en-US" dirty="0" smtClean="0"/>
+              <a:rPr lang="en-US" dirty="0"/>
               <a:t>Used Regular Expression library to find the patterns for a retweet, URL,@ mention, hashtag.</a:t>
             </a:r>
-            <a:endParaRPr lang="en-US" dirty="0"/>
           </a:p>
         </p:txBody>
       </p:sp>
@@ -3234,10 +3212,9 @@
           <a:lstStyle/>
           <a:p>
             <a:r>
-              <a:rPr lang="en-US" dirty="0" smtClean="0"/>
+              <a:rPr lang="en-US" dirty="0"/>
               <a:t>Data Cleanup</a:t>
             </a:r>
-            <a:endParaRPr lang="en-US" dirty="0"/>
           </a:p>
         </p:txBody>
       </p:sp>
@@ -3262,84 +3239,83 @@
           <a:lstStyle/>
           <a:p>
             <a:r>
-              <a:rPr lang="en-US" dirty="0" smtClean="0"/>
+              <a:rPr lang="en-US" dirty="0"/>
               <a:t>Issues with the data</a:t>
             </a:r>
           </a:p>
           <a:p>
             <a:pPr lvl="1"/>
             <a:r>
-              <a:rPr lang="en-US" dirty="0" smtClean="0"/>
+              <a:rPr lang="en-US" dirty="0"/>
               <a:t>Some tweet text would break to new row</a:t>
             </a:r>
           </a:p>
           <a:p>
             <a:pPr lvl="1"/>
             <a:r>
-              <a:rPr lang="en-US" dirty="0" smtClean="0"/>
+              <a:rPr lang="en-US" dirty="0"/>
               <a:t>A few companies did not have twitter handles</a:t>
             </a:r>
           </a:p>
           <a:p>
             <a:pPr lvl="1"/>
             <a:r>
-              <a:rPr lang="en-US" dirty="0" smtClean="0"/>
+              <a:rPr lang="en-US" dirty="0"/>
               <a:t>Counting the difference between a retweet and a “@ mention”</a:t>
             </a:r>
           </a:p>
           <a:p>
             <a:pPr lvl="1"/>
             <a:r>
-              <a:rPr lang="en-US" dirty="0" smtClean="0"/>
+              <a:rPr lang="en-US" dirty="0"/>
               <a:t>A search for @Danaher Corporation would return tweets from MY timeline...</a:t>
             </a:r>
+          </a:p>
+          <a:p>
+            <a:r>
+              <a:rPr lang="en-US" dirty="0"/>
+              <a:t>Steps to fix</a:t>
+            </a:r>
+          </a:p>
+          <a:p>
+            <a:pPr lvl="1"/>
+            <a:r>
+              <a:rPr lang="en-US" dirty="0"/>
+              <a:t>Used .</a:t>
+            </a:r>
+            <a:r>
+              <a:rPr lang="en-US" dirty="0" err="1"/>
+              <a:t>dropna</a:t>
+            </a:r>
+            <a:r>
+              <a:rPr lang="en-US" dirty="0"/>
+              <a:t> to clear bad rows of data</a:t>
+            </a:r>
+          </a:p>
+          <a:p>
+            <a:pPr lvl="1"/>
+            <a:r>
+              <a:rPr lang="en-US" dirty="0"/>
+              <a:t>Used a try except statement to continue the loop if a search would cause an error due to the twitter handle not existing</a:t>
+            </a:r>
+          </a:p>
+          <a:p>
+            <a:pPr lvl="1"/>
+            <a:r>
+              <a:rPr lang="en-US" dirty="0"/>
+              <a:t>Used an if statement to not count the “@” if it was already counted as a “RT @”</a:t>
+            </a:r>
+          </a:p>
+          <a:p>
+            <a:pPr lvl="1"/>
+            <a:r>
+              <a:rPr lang="en-US" dirty="0"/>
+              <a:t>Used the .drop function to remove my timeline tweets</a:t>
+            </a:r>
+          </a:p>
+          <a:p>
+            <a:pPr lvl="1"/>
             <a:endParaRPr lang="en-US" dirty="0"/>
-          </a:p>
-          <a:p>
-            <a:r>
-              <a:rPr lang="en-US" dirty="0" smtClean="0"/>
-              <a:t>Steps to fix</a:t>
-            </a:r>
-          </a:p>
-          <a:p>
-            <a:pPr lvl="1"/>
-            <a:r>
-              <a:rPr lang="en-US" dirty="0" smtClean="0"/>
-              <a:t>Used .</a:t>
-            </a:r>
-            <a:r>
-              <a:rPr lang="en-US" dirty="0" err="1" smtClean="0"/>
-              <a:t>dropna</a:t>
-            </a:r>
-            <a:r>
-              <a:rPr lang="en-US" dirty="0" smtClean="0"/>
-              <a:t> to clear bad rows of data</a:t>
-            </a:r>
-          </a:p>
-          <a:p>
-            <a:pPr lvl="1"/>
-            <a:r>
-              <a:rPr lang="en-US" dirty="0" smtClean="0"/>
-              <a:t>Used a try except statement to continue the loop if a search would cause an error due to the twitter handle not existing</a:t>
-            </a:r>
-          </a:p>
-          <a:p>
-            <a:pPr lvl="1"/>
-            <a:r>
-              <a:rPr lang="en-US" dirty="0" smtClean="0"/>
-              <a:t>Used an if statement to not count the “@” if it was already counted as a “RT @”</a:t>
-            </a:r>
-          </a:p>
-          <a:p>
-            <a:pPr lvl="1"/>
-            <a:r>
-              <a:rPr lang="en-US" dirty="0" smtClean="0"/>
-              <a:t>Used the .drop function to remove my timeline tweets</a:t>
-            </a:r>
-          </a:p>
-          <a:p>
-            <a:pPr lvl="1"/>
-            <a:endParaRPr lang="en-US" dirty="0" smtClean="0"/>
           </a:p>
         </p:txBody>
       </p:sp>
@@ -3420,10 +3396,9 @@
           <a:lstStyle/>
           <a:p>
             <a:r>
-              <a:rPr lang="en-US" dirty="0" smtClean="0"/>
+              <a:rPr lang="en-US" dirty="0"/>
               <a:t>Data Analysis – Graph 1</a:t>
             </a:r>
-            <a:endParaRPr lang="en-US" dirty="0"/>
           </a:p>
         </p:txBody>
       </p:sp>
@@ -3450,27 +3425,27 @@
           <a:lstStyle/>
           <a:p>
             <a:r>
-              <a:rPr lang="en-US" sz="2000" dirty="0" smtClean="0"/>
+              <a:rPr lang="en-US" sz="2000" dirty="0"/>
               <a:t>First graph breaks down the S&amp;P 100 by Industry showing how often these industries tweet. </a:t>
             </a:r>
           </a:p>
           <a:p>
             <a:r>
-              <a:rPr lang="en-US" sz="2000" dirty="0" smtClean="0"/>
+              <a:rPr lang="en-US" sz="2000" dirty="0"/>
               <a:t>Interesting data points</a:t>
             </a:r>
           </a:p>
           <a:p>
             <a:pPr lvl="1"/>
             <a:r>
-              <a:rPr lang="en-US" sz="2000" dirty="0" smtClean="0"/>
+              <a:rPr lang="en-US" sz="2000" dirty="0"/>
               <a:t>Drug Manufactures had the most tweets</a:t>
             </a:r>
           </a:p>
           <a:p>
             <a:pPr lvl="1"/>
             <a:r>
-              <a:rPr lang="en-US" sz="2000" dirty="0" smtClean="0"/>
+              <a:rPr lang="en-US" sz="2000" dirty="0"/>
               <a:t>Aerospace and Defense had a surprising amount</a:t>
             </a:r>
           </a:p>
@@ -3480,17 +3455,13 @@
             </a:pPr>
             <a:r>
               <a:rPr lang="en-US" sz="2000" dirty="0"/>
-              <a:t> </a:t>
-            </a:r>
-            <a:r>
-              <a:rPr lang="en-US" sz="2000" dirty="0" smtClean="0"/>
-              <a:t>   of tweets.</a:t>
+              <a:t>    of tweets.</a:t>
             </a:r>
           </a:p>
           <a:p>
             <a:pPr lvl="1"/>
             <a:r>
-              <a:rPr lang="en-US" sz="2000" dirty="0" smtClean="0"/>
+              <a:rPr lang="en-US" sz="2000" dirty="0"/>
               <a:t>Biotechnology had a surprising amount</a:t>
             </a:r>
           </a:p>
@@ -3500,20 +3471,16 @@
             </a:pPr>
             <a:r>
               <a:rPr lang="en-US" sz="2000" dirty="0"/>
-              <a:t> </a:t>
-            </a:r>
-            <a:r>
-              <a:rPr lang="en-US" sz="2000" dirty="0" smtClean="0"/>
-              <a:t>  given only making up %11 of S&amp;P</a:t>
+              <a:t>   given only making up %11 of S&amp;P</a:t>
             </a:r>
           </a:p>
           <a:p>
             <a:pPr lvl="1"/>
-            <a:endParaRPr lang="en-US" dirty="0" smtClean="0"/>
+            <a:endParaRPr lang="en-US" dirty="0"/>
           </a:p>
           <a:p>
             <a:pPr lvl="1"/>
-            <a:endParaRPr lang="en-US" dirty="0" smtClean="0"/>
+            <a:endParaRPr lang="en-US" dirty="0"/>
           </a:p>
         </p:txBody>
       </p:sp>
@@ -3592,10 +3559,9 @@
           <a:lstStyle/>
           <a:p>
             <a:r>
-              <a:rPr lang="en-US" dirty="0" smtClean="0"/>
+              <a:rPr lang="en-US" dirty="0"/>
               <a:t>Data Analysis – Graph 2</a:t>
             </a:r>
-            <a:endParaRPr lang="en-US" dirty="0"/>
           </a:p>
         </p:txBody>
       </p:sp>
@@ -3620,47 +3586,42 @@
           <a:lstStyle/>
           <a:p>
             <a:r>
-              <a:rPr lang="en-US" sz="2000" dirty="0" smtClean="0"/>
-              <a:t>Second graph breaks down the S&amp;P 100 by company and how they </a:t>
-            </a:r>
-            <a:r>
-              <a:rPr lang="en-US" sz="2000" dirty="0" smtClean="0"/>
-              <a:t>post or interact with users</a:t>
-            </a:r>
-            <a:endParaRPr lang="en-US" sz="2000" dirty="0" smtClean="0"/>
-          </a:p>
-          <a:p>
-            <a:r>
-              <a:rPr lang="en-US" sz="2000" dirty="0" smtClean="0"/>
+              <a:rPr lang="en-US" sz="2000" dirty="0"/>
+              <a:t>Second graph breaks down the S&amp;P 100 by company and how they post or interact with users</a:t>
+            </a:r>
+          </a:p>
+          <a:p>
+            <a:r>
+              <a:rPr lang="en-US" sz="2000" dirty="0"/>
               <a:t>Interesting data points</a:t>
             </a:r>
           </a:p>
           <a:p>
             <a:pPr lvl="1"/>
             <a:r>
-              <a:rPr lang="en-US" sz="2000" dirty="0" smtClean="0"/>
+              <a:rPr lang="en-US" sz="2000" dirty="0"/>
               <a:t>NVIDIA does a lot of hash tagging</a:t>
             </a:r>
           </a:p>
           <a:p>
             <a:pPr lvl="1"/>
             <a:r>
-              <a:rPr lang="en-US" sz="2000" dirty="0" smtClean="0"/>
+              <a:rPr lang="en-US" sz="2000" dirty="0"/>
               <a:t>20</a:t>
             </a:r>
             <a:r>
-              <a:rPr lang="en-US" sz="2000" baseline="30000" dirty="0" smtClean="0"/>
+              <a:rPr lang="en-US" sz="2000" baseline="30000" dirty="0"/>
               <a:t>th</a:t>
             </a:r>
             <a:r>
-              <a:rPr lang="en-US" sz="2000" dirty="0" smtClean="0"/>
+              <a:rPr lang="en-US" sz="2000" dirty="0"/>
               <a:t> Century Fox does a lot of retweeting</a:t>
             </a:r>
           </a:p>
           <a:p>
             <a:pPr lvl="1"/>
             <a:r>
-              <a:rPr lang="en-US" sz="2000" dirty="0" smtClean="0"/>
+              <a:rPr lang="en-US" sz="2000" dirty="0"/>
               <a:t>URL’s and @ mentions are the majority</a:t>
             </a:r>
           </a:p>
